--- a/Week 1 - Fundamentals/PowerPoint Presentations/Week_1_Part_2_Fundamentals.pptx
+++ b/Week 1 - Fundamentals/PowerPoint Presentations/Week_1_Part_2_Fundamentals.pptx
@@ -211,7 +211,7 @@
           <a:p>
             <a:fld id="{C0DB4203-FCE6-4DB9-8B82-6DDA69D645A0}" type="datetimeFigureOut">
               <a:rPr lang="en-ZA" smtClean="0"/>
-              <a:t>2023/05/09</a:t>
+              <a:t>23 May 2023</a:t>
             </a:fld>
             <a:endParaRPr lang="en-ZA"/>
           </a:p>
@@ -4270,51 +4270,7 @@
                 <a:ea typeface="Times New Roman" panose="02020603050405020304" pitchFamily="18" charset="0"/>
                 <a:cs typeface="Times New Roman" panose="02020603050405020304" pitchFamily="18" charset="0"/>
               </a:rPr>
-              <a:t>If you encounter run-time errors in MATLAB, the run-time stack appears in the MATLAB command window. Use the error message and stack information to learn more about the source of the error, and then either fix the issue or add error-handling code (more on error-handling in week 5: Functions and Graphing </a:t>
-            </a:r>
-            <a:r>
-              <a:rPr lang="en-ZA" sz="1600" dirty="0">
-                <a:solidFill>
-                  <a:srgbClr val="005FCE"/>
-                </a:solidFill>
-                <a:effectLst/>
-                <a:latin typeface="Helvetica" panose="020B0604020202020204" pitchFamily="34" charset="0"/>
-                <a:ea typeface="Times New Roman" panose="02020603050405020304" pitchFamily="18" charset="0"/>
-                <a:cs typeface="Times New Roman" panose="02020603050405020304" pitchFamily="18" charset="0"/>
-                <a:hlinkClick r:id="rId2"/>
-              </a:rPr>
-              <a:t>[KS1]</a:t>
-            </a:r>
-            <a:r>
-              <a:rPr lang="en-ZA" sz="1600" dirty="0">
-                <a:effectLst/>
-                <a:latin typeface="Helvetica" panose="020B0604020202020204" pitchFamily="34" charset="0"/>
-                <a:ea typeface="Times New Roman" panose="02020603050405020304" pitchFamily="18" charset="0"/>
-                <a:cs typeface="Times New Roman" panose="02020603050405020304" pitchFamily="18" charset="0"/>
-              </a:rPr>
-              <a:t> </a:t>
-            </a:r>
-            <a:r>
-              <a:rPr lang="en-ZA" sz="1600" dirty="0">
-                <a:solidFill>
-                  <a:srgbClr val="005FCE"/>
-                </a:solidFill>
-                <a:effectLst/>
-                <a:latin typeface="Helvetica" panose="020B0604020202020204" pitchFamily="34" charset="0"/>
-                <a:ea typeface="Times New Roman" panose="02020603050405020304" pitchFamily="18" charset="0"/>
-                <a:cs typeface="Times New Roman" panose="02020603050405020304" pitchFamily="18" charset="0"/>
-                <a:hlinkClick r:id="rId3"/>
-              </a:rPr>
-              <a:t>[MR2]</a:t>
-            </a:r>
-            <a:r>
-              <a:rPr lang="en-ZA" sz="1600" dirty="0">
-                <a:effectLst/>
-                <a:latin typeface="Helvetica" panose="020B0604020202020204" pitchFamily="34" charset="0"/>
-                <a:ea typeface="Times New Roman" panose="02020603050405020304" pitchFamily="18" charset="0"/>
-                <a:cs typeface="Times New Roman" panose="02020603050405020304" pitchFamily="18" charset="0"/>
-              </a:rPr>
-              <a:t> ). The stack information includes:</a:t>
+              <a:t>If you encounter run-time errors in MATLAB, the run-time stack appears in the MATLAB command window. Use the error message and stack information to learn more about the source of the error, and then either fix the issue or add error-handling code (more on error-handling in week 5: Functions and Graphing). The stack information includes:</a:t>
             </a:r>
           </a:p>
           <a:p>
@@ -4524,7 +4480,7 @@
       <p:pic>
         <p:nvPicPr>
           <p:cNvPr id="8" name="Graphic 7" descr="Chevron arrows with solid fill">
-            <a:hlinkClick r:id="rId4" action="ppaction://hlinksldjump"/>
+            <a:hlinkClick r:id="rId2" action="ppaction://hlinksldjump"/>
             <a:extLst>
               <a:ext uri="{FF2B5EF4-FFF2-40B4-BE49-F238E27FC236}">
                 <a16:creationId xmlns:a16="http://schemas.microsoft.com/office/drawing/2014/main" id="{1F002A06-F151-314C-1238-1D8A9BA8AECC}"/>
@@ -4537,13 +4493,13 @@
           <p:nvPr/>
         </p:nvPicPr>
         <p:blipFill>
-          <a:blip r:embed="rId5">
+          <a:blip r:embed="rId3">
             <a:extLst>
               <a:ext uri="{28A0092B-C50C-407E-A947-70E740481C1C}">
                 <a14:useLocalDpi xmlns:a14="http://schemas.microsoft.com/office/drawing/2010/main" val="0"/>
               </a:ext>
               <a:ext uri="{96DAC541-7B7A-43D3-8B79-37D633B846F1}">
-                <asvg:svgBlip xmlns:asvg="http://schemas.microsoft.com/office/drawing/2016/SVG/main" r:embed="rId6"/>
+                <asvg:svgBlip xmlns:asvg="http://schemas.microsoft.com/office/drawing/2016/SVG/main" r:embed="rId4"/>
               </a:ext>
             </a:extLst>
           </a:blip>
@@ -4837,116 +4793,6 @@
               <a:hlinkClick r:id="rId2"/>
             </a:endParaRPr>
           </a:p>
-          <a:p>
-            <a:pPr marL="0" indent="0" algn="just">
-              <a:lnSpc>
-                <a:spcPct val="107000"/>
-              </a:lnSpc>
-              <a:spcBef>
-                <a:spcPts val="1050"/>
-              </a:spcBef>
-              <a:spcAft>
-                <a:spcPts val="1050"/>
-              </a:spcAft>
-              <a:buNone/>
-            </a:pPr>
-            <a:endParaRPr lang="en-ZA" sz="1600" dirty="0">
-              <a:solidFill>
-                <a:srgbClr val="005FCE"/>
-              </a:solidFill>
-              <a:latin typeface="Helvetica" panose="020B0604020202020204" pitchFamily="34" charset="0"/>
-              <a:ea typeface="Times New Roman" panose="02020603050405020304" pitchFamily="18" charset="0"/>
-              <a:cs typeface="Times New Roman" panose="02020603050405020304" pitchFamily="18" charset="0"/>
-              <a:hlinkClick r:id="rId2"/>
-            </a:endParaRPr>
-          </a:p>
-          <a:p>
-            <a:pPr marL="0" indent="0" algn="just">
-              <a:lnSpc>
-                <a:spcPct val="107000"/>
-              </a:lnSpc>
-              <a:spcBef>
-                <a:spcPts val="1050"/>
-              </a:spcBef>
-              <a:spcAft>
-                <a:spcPts val="1050"/>
-              </a:spcAft>
-              <a:buNone/>
-            </a:pPr>
-            <a:r>
-              <a:rPr lang="en-ZA" sz="1600" dirty="0">
-                <a:solidFill>
-                  <a:srgbClr val="005FCE"/>
-                </a:solidFill>
-                <a:effectLst/>
-                <a:latin typeface="Helvetica" panose="020B0604020202020204" pitchFamily="34" charset="0"/>
-                <a:ea typeface="Times New Roman" panose="02020603050405020304" pitchFamily="18" charset="0"/>
-                <a:cs typeface="Times New Roman" panose="02020603050405020304" pitchFamily="18" charset="0"/>
-                <a:hlinkClick r:id="rId2"/>
-              </a:rPr>
-              <a:t>[KS1]</a:t>
-            </a:r>
-            <a:r>
-              <a:rPr lang="en-ZA" sz="1600" dirty="0">
-                <a:effectLst/>
-                <a:latin typeface="Helvetica" panose="020B0604020202020204" pitchFamily="34" charset="0"/>
-                <a:ea typeface="Times New Roman" panose="02020603050405020304" pitchFamily="18" charset="0"/>
-                <a:cs typeface="Times New Roman" panose="02020603050405020304" pitchFamily="18" charset="0"/>
-              </a:rPr>
-              <a:t>Link to week 5’s live script</a:t>
-            </a:r>
-          </a:p>
-          <a:p>
-            <a:pPr marL="0" indent="0" algn="just">
-              <a:lnSpc>
-                <a:spcPct val="107000"/>
-              </a:lnSpc>
-              <a:spcBef>
-                <a:spcPts val="1050"/>
-              </a:spcBef>
-              <a:spcAft>
-                <a:spcPts val="1050"/>
-              </a:spcAft>
-              <a:buNone/>
-            </a:pPr>
-            <a:r>
-              <a:rPr lang="en-ZA" sz="1600" dirty="0">
-                <a:solidFill>
-                  <a:srgbClr val="005FCE"/>
-                </a:solidFill>
-                <a:effectLst/>
-                <a:latin typeface="Helvetica" panose="020B0604020202020204" pitchFamily="34" charset="0"/>
-                <a:ea typeface="Times New Roman" panose="02020603050405020304" pitchFamily="18" charset="0"/>
-                <a:cs typeface="Times New Roman" panose="02020603050405020304" pitchFamily="18" charset="0"/>
-                <a:hlinkClick r:id="rId3"/>
-              </a:rPr>
-              <a:t>[MR2]</a:t>
-            </a:r>
-            <a:r>
-              <a:rPr lang="en-ZA" sz="1600" dirty="0">
-                <a:effectLst/>
-                <a:latin typeface="Helvetica" panose="020B0604020202020204" pitchFamily="34" charset="0"/>
-                <a:ea typeface="Times New Roman" panose="02020603050405020304" pitchFamily="18" charset="0"/>
-                <a:cs typeface="Times New Roman" panose="02020603050405020304" pitchFamily="18" charset="0"/>
-              </a:rPr>
-              <a:t>Open thread since it depends on the final version in </a:t>
-            </a:r>
-            <a:r>
-              <a:rPr lang="en-ZA" sz="1600" dirty="0" err="1">
-                <a:effectLst/>
-                <a:latin typeface="Helvetica" panose="020B0604020202020204" pitchFamily="34" charset="0"/>
-                <a:ea typeface="Times New Roman" panose="02020603050405020304" pitchFamily="18" charset="0"/>
-                <a:cs typeface="Times New Roman" panose="02020603050405020304" pitchFamily="18" charset="0"/>
-              </a:rPr>
-              <a:t>Ulwazi</a:t>
-            </a:r>
-            <a:endParaRPr lang="en-ZA" sz="1600" dirty="0">
-              <a:effectLst/>
-              <a:latin typeface="Helvetica" panose="020B0604020202020204" pitchFamily="34" charset="0"/>
-              <a:ea typeface="Times New Roman" panose="02020603050405020304" pitchFamily="18" charset="0"/>
-              <a:cs typeface="Times New Roman" panose="02020603050405020304" pitchFamily="18" charset="0"/>
-            </a:endParaRPr>
-          </a:p>
         </p:txBody>
       </p:sp>
       <p:sp>
@@ -5042,7 +4888,7 @@
       <p:pic>
         <p:nvPicPr>
           <p:cNvPr id="8" name="Graphic 7" descr="Chevron arrows with solid fill">
-            <a:hlinkClick r:id="rId4" action="ppaction://hlinksldjump"/>
+            <a:hlinkClick r:id="rId3" action="ppaction://hlinksldjump"/>
             <a:extLst>
               <a:ext uri="{FF2B5EF4-FFF2-40B4-BE49-F238E27FC236}">
                 <a16:creationId xmlns:a16="http://schemas.microsoft.com/office/drawing/2014/main" id="{1F002A06-F151-314C-1238-1D8A9BA8AECC}"/>
@@ -5055,13 +4901,13 @@
           <p:nvPr/>
         </p:nvPicPr>
         <p:blipFill>
-          <a:blip r:embed="rId5">
+          <a:blip r:embed="rId4">
             <a:extLst>
               <a:ext uri="{28A0092B-C50C-407E-A947-70E740481C1C}">
                 <a14:useLocalDpi xmlns:a14="http://schemas.microsoft.com/office/drawing/2010/main" val="0"/>
               </a:ext>
               <a:ext uri="{96DAC541-7B7A-43D3-8B79-37D633B846F1}">
-                <asvg:svgBlip xmlns:asvg="http://schemas.microsoft.com/office/drawing/2016/SVG/main" r:embed="rId6"/>
+                <asvg:svgBlip xmlns:asvg="http://schemas.microsoft.com/office/drawing/2016/SVG/main" r:embed="rId5"/>
               </a:ext>
             </a:extLst>
           </a:blip>
@@ -5094,7 +4940,7 @@
           <p:nvPr/>
         </p:nvPicPr>
         <p:blipFill>
-          <a:blip r:embed="rId7">
+          <a:blip r:embed="rId6">
             <a:extLst>
               <a:ext uri="{28A0092B-C50C-407E-A947-70E740481C1C}">
                 <a14:useLocalDpi xmlns:a14="http://schemas.microsoft.com/office/drawing/2010/main" val="0"/>
@@ -5344,93 +5190,6 @@
               <a:hlinkClick r:id="rId2"/>
             </a:endParaRPr>
           </a:p>
-          <a:p>
-            <a:pPr marL="0" indent="0" algn="just">
-              <a:lnSpc>
-                <a:spcPct val="107000"/>
-              </a:lnSpc>
-              <a:spcBef>
-                <a:spcPts val="1050"/>
-              </a:spcBef>
-              <a:spcAft>
-                <a:spcPts val="1050"/>
-              </a:spcAft>
-              <a:buNone/>
-            </a:pPr>
-            <a:r>
-              <a:rPr lang="en-ZA" sz="1600" dirty="0">
-                <a:solidFill>
-                  <a:srgbClr val="005FCE"/>
-                </a:solidFill>
-                <a:effectLst/>
-                <a:latin typeface="Helvetica" panose="020B0604020202020204" pitchFamily="34" charset="0"/>
-                <a:ea typeface="Times New Roman" panose="02020603050405020304" pitchFamily="18" charset="0"/>
-                <a:cs typeface="Times New Roman" panose="02020603050405020304" pitchFamily="18" charset="0"/>
-                <a:hlinkClick r:id="rId2"/>
-              </a:rPr>
-              <a:t>[KS1]</a:t>
-            </a:r>
-            <a:r>
-              <a:rPr lang="en-ZA" sz="1600" dirty="0">
-                <a:effectLst/>
-                <a:latin typeface="Helvetica" panose="020B0604020202020204" pitchFamily="34" charset="0"/>
-                <a:ea typeface="Times New Roman" panose="02020603050405020304" pitchFamily="18" charset="0"/>
-                <a:cs typeface="Times New Roman" panose="02020603050405020304" pitchFamily="18" charset="0"/>
-              </a:rPr>
-              <a:t>Link to week 5’s live script</a:t>
-            </a:r>
-          </a:p>
-          <a:p>
-            <a:pPr marL="0" indent="0" algn="just">
-              <a:lnSpc>
-                <a:spcPct val="107000"/>
-              </a:lnSpc>
-              <a:spcBef>
-                <a:spcPts val="1050"/>
-              </a:spcBef>
-              <a:spcAft>
-                <a:spcPts val="1050"/>
-              </a:spcAft>
-              <a:buNone/>
-            </a:pPr>
-            <a:r>
-              <a:rPr lang="en-ZA" sz="1600" dirty="0">
-                <a:solidFill>
-                  <a:srgbClr val="005FCE"/>
-                </a:solidFill>
-                <a:effectLst/>
-                <a:latin typeface="Helvetica" panose="020B0604020202020204" pitchFamily="34" charset="0"/>
-                <a:ea typeface="Times New Roman" panose="02020603050405020304" pitchFamily="18" charset="0"/>
-                <a:cs typeface="Times New Roman" panose="02020603050405020304" pitchFamily="18" charset="0"/>
-                <a:hlinkClick r:id="rId3"/>
-              </a:rPr>
-              <a:t>[MR2]</a:t>
-            </a:r>
-            <a:r>
-              <a:rPr lang="en-ZA" sz="1600" dirty="0">
-                <a:effectLst/>
-                <a:latin typeface="Helvetica" panose="020B0604020202020204" pitchFamily="34" charset="0"/>
-                <a:ea typeface="Times New Roman" panose="02020603050405020304" pitchFamily="18" charset="0"/>
-                <a:cs typeface="Times New Roman" panose="02020603050405020304" pitchFamily="18" charset="0"/>
-              </a:rPr>
-              <a:t>Open thread since it depends on the final version in </a:t>
-            </a:r>
-            <a:r>
-              <a:rPr lang="en-ZA" sz="1600" dirty="0" err="1">
-                <a:effectLst/>
-                <a:latin typeface="Helvetica" panose="020B0604020202020204" pitchFamily="34" charset="0"/>
-                <a:ea typeface="Times New Roman" panose="02020603050405020304" pitchFamily="18" charset="0"/>
-                <a:cs typeface="Times New Roman" panose="02020603050405020304" pitchFamily="18" charset="0"/>
-              </a:rPr>
-              <a:t>Ulwazi</a:t>
-            </a:r>
-            <a:endParaRPr lang="en-ZA" sz="1600" dirty="0">
-              <a:effectLst/>
-              <a:latin typeface="Helvetica" panose="020B0604020202020204" pitchFamily="34" charset="0"/>
-              <a:ea typeface="Times New Roman" panose="02020603050405020304" pitchFamily="18" charset="0"/>
-              <a:cs typeface="Times New Roman" panose="02020603050405020304" pitchFamily="18" charset="0"/>
-            </a:endParaRPr>
-          </a:p>
         </p:txBody>
       </p:sp>
       <p:sp>
@@ -5526,7 +5285,7 @@
       <p:pic>
         <p:nvPicPr>
           <p:cNvPr id="8" name="Graphic 7" descr="Chevron arrows with solid fill">
-            <a:hlinkClick r:id="rId4" action="ppaction://hlinksldjump"/>
+            <a:hlinkClick r:id="rId3" action="ppaction://hlinksldjump"/>
             <a:extLst>
               <a:ext uri="{FF2B5EF4-FFF2-40B4-BE49-F238E27FC236}">
                 <a16:creationId xmlns:a16="http://schemas.microsoft.com/office/drawing/2014/main" id="{1F002A06-F151-314C-1238-1D8A9BA8AECC}"/>
@@ -5539,13 +5298,13 @@
           <p:nvPr/>
         </p:nvPicPr>
         <p:blipFill>
-          <a:blip r:embed="rId5">
+          <a:blip r:embed="rId4">
             <a:extLst>
               <a:ext uri="{28A0092B-C50C-407E-A947-70E740481C1C}">
                 <a14:useLocalDpi xmlns:a14="http://schemas.microsoft.com/office/drawing/2010/main" val="0"/>
               </a:ext>
               <a:ext uri="{96DAC541-7B7A-43D3-8B79-37D633B846F1}">
-                <asvg:svgBlip xmlns:asvg="http://schemas.microsoft.com/office/drawing/2016/SVG/main" r:embed="rId6"/>
+                <asvg:svgBlip xmlns:asvg="http://schemas.microsoft.com/office/drawing/2016/SVG/main" r:embed="rId5"/>
               </a:ext>
             </a:extLst>
           </a:blip>
@@ -5578,7 +5337,7 @@
           <p:nvPr/>
         </p:nvPicPr>
         <p:blipFill>
-          <a:blip r:embed="rId7">
+          <a:blip r:embed="rId6">
             <a:extLst>
               <a:ext uri="{28A0092B-C50C-407E-A947-70E740481C1C}">
                 <a14:useLocalDpi xmlns:a14="http://schemas.microsoft.com/office/drawing/2010/main" val="0"/>
@@ -6122,6 +5881,190 @@
               </a:rPr>
               <a:t>Week_1_Part_2_Fundamentals.mlx</a:t>
             </a:r>
+            <a:endParaRPr lang="en-ZA" sz="1600" dirty="0">
+              <a:effectLst/>
+              <a:latin typeface="Helvetica" panose="020B0604020202020204" pitchFamily="34" charset="0"/>
+              <a:ea typeface="Times New Roman" panose="02020603050405020304" pitchFamily="18" charset="0"/>
+              <a:cs typeface="Times New Roman" panose="02020603050405020304" pitchFamily="18" charset="0"/>
+            </a:endParaRPr>
+          </a:p>
+          <a:p>
+            <a:pPr marL="0" indent="0">
+              <a:lnSpc>
+                <a:spcPct val="107000"/>
+              </a:lnSpc>
+              <a:spcBef>
+                <a:spcPts val="1050"/>
+              </a:spcBef>
+              <a:spcAft>
+                <a:spcPts val="1050"/>
+              </a:spcAft>
+              <a:buNone/>
+            </a:pPr>
+            <a:endParaRPr lang="en-GB" sz="1800" b="1" i="1" dirty="0">
+              <a:effectLst/>
+              <a:latin typeface="Helvetica" panose="020B0604020202020204" pitchFamily="34" charset="0"/>
+              <a:ea typeface="Times New Roman" panose="02020603050405020304" pitchFamily="18" charset="0"/>
+              <a:cs typeface="Times New Roman" panose="02020603050405020304" pitchFamily="18" charset="0"/>
+            </a:endParaRPr>
+          </a:p>
+          <a:p>
+            <a:pPr marL="0" indent="0">
+              <a:lnSpc>
+                <a:spcPct val="107000"/>
+              </a:lnSpc>
+              <a:spcBef>
+                <a:spcPts val="1050"/>
+              </a:spcBef>
+              <a:spcAft>
+                <a:spcPts val="1050"/>
+              </a:spcAft>
+              <a:buNone/>
+            </a:pPr>
+            <a:endParaRPr lang="en-GB" sz="1800" b="1" i="1" dirty="0">
+              <a:latin typeface="Helvetica" panose="020B0604020202020204" pitchFamily="34" charset="0"/>
+              <a:ea typeface="Times New Roman" panose="02020603050405020304" pitchFamily="18" charset="0"/>
+              <a:cs typeface="Times New Roman" panose="02020603050405020304" pitchFamily="18" charset="0"/>
+            </a:endParaRPr>
+          </a:p>
+          <a:p>
+            <a:pPr marL="0" indent="0">
+              <a:lnSpc>
+                <a:spcPct val="107000"/>
+              </a:lnSpc>
+              <a:spcBef>
+                <a:spcPts val="1050"/>
+              </a:spcBef>
+              <a:spcAft>
+                <a:spcPts val="1050"/>
+              </a:spcAft>
+              <a:buNone/>
+            </a:pPr>
+            <a:endParaRPr lang="en-GB" sz="1800" b="1" i="1" dirty="0">
+              <a:effectLst/>
+              <a:latin typeface="Helvetica" panose="020B0604020202020204" pitchFamily="34" charset="0"/>
+              <a:ea typeface="Times New Roman" panose="02020603050405020304" pitchFamily="18" charset="0"/>
+              <a:cs typeface="Times New Roman" panose="02020603050405020304" pitchFamily="18" charset="0"/>
+            </a:endParaRPr>
+          </a:p>
+          <a:p>
+            <a:pPr marL="0" indent="0">
+              <a:lnSpc>
+                <a:spcPct val="107000"/>
+              </a:lnSpc>
+              <a:spcBef>
+                <a:spcPts val="1050"/>
+              </a:spcBef>
+              <a:spcAft>
+                <a:spcPts val="1050"/>
+              </a:spcAft>
+              <a:buNone/>
+            </a:pPr>
+            <a:endParaRPr lang="en-GB" sz="1800" b="1" i="1" dirty="0">
+              <a:latin typeface="Helvetica" panose="020B0604020202020204" pitchFamily="34" charset="0"/>
+              <a:ea typeface="Times New Roman" panose="02020603050405020304" pitchFamily="18" charset="0"/>
+              <a:cs typeface="Times New Roman" panose="02020603050405020304" pitchFamily="18" charset="0"/>
+            </a:endParaRPr>
+          </a:p>
+          <a:p>
+            <a:pPr marL="0" indent="0">
+              <a:lnSpc>
+                <a:spcPct val="107000"/>
+              </a:lnSpc>
+              <a:spcBef>
+                <a:spcPts val="1050"/>
+              </a:spcBef>
+              <a:spcAft>
+                <a:spcPts val="1050"/>
+              </a:spcAft>
+              <a:buNone/>
+            </a:pPr>
+            <a:endParaRPr lang="en-GB" sz="1800" b="1" i="1" dirty="0">
+              <a:effectLst/>
+              <a:latin typeface="Helvetica" panose="020B0604020202020204" pitchFamily="34" charset="0"/>
+              <a:ea typeface="Times New Roman" panose="02020603050405020304" pitchFamily="18" charset="0"/>
+              <a:cs typeface="Times New Roman" panose="02020603050405020304" pitchFamily="18" charset="0"/>
+            </a:endParaRPr>
+          </a:p>
+          <a:p>
+            <a:pPr marL="0" indent="0">
+              <a:lnSpc>
+                <a:spcPct val="107000"/>
+              </a:lnSpc>
+              <a:spcBef>
+                <a:spcPts val="1050"/>
+              </a:spcBef>
+              <a:spcAft>
+                <a:spcPts val="1050"/>
+              </a:spcAft>
+              <a:buNone/>
+            </a:pPr>
+            <a:endParaRPr lang="en-GB" sz="1800" b="1" i="1" dirty="0">
+              <a:effectLst/>
+              <a:latin typeface="Helvetica" panose="020B0604020202020204" pitchFamily="34" charset="0"/>
+              <a:ea typeface="Times New Roman" panose="02020603050405020304" pitchFamily="18" charset="0"/>
+              <a:cs typeface="Times New Roman" panose="02020603050405020304" pitchFamily="18" charset="0"/>
+            </a:endParaRPr>
+          </a:p>
+          <a:p>
+            <a:pPr marL="0" indent="0">
+              <a:lnSpc>
+                <a:spcPct val="107000"/>
+              </a:lnSpc>
+              <a:spcBef>
+                <a:spcPts val="1050"/>
+              </a:spcBef>
+              <a:spcAft>
+                <a:spcPts val="1050"/>
+              </a:spcAft>
+              <a:buNone/>
+            </a:pPr>
+            <a:r>
+              <a:rPr lang="en-GB" sz="1600" b="1" i="1" dirty="0">
+                <a:effectLst/>
+                <a:latin typeface="Helvetica" panose="020B0604020202020204" pitchFamily="34" charset="0"/>
+                <a:ea typeface="Times New Roman" panose="02020603050405020304" pitchFamily="18" charset="0"/>
+                <a:cs typeface="Times New Roman" panose="02020603050405020304" pitchFamily="18" charset="0"/>
+              </a:rPr>
+              <a:t>Copyright 2022 The MathWorks, Inc. &amp; Opti-</a:t>
+            </a:r>
+            <a:r>
+              <a:rPr lang="en-GB" sz="1600" b="1" i="1" dirty="0" err="1">
+                <a:effectLst/>
+                <a:latin typeface="Helvetica" panose="020B0604020202020204" pitchFamily="34" charset="0"/>
+                <a:ea typeface="Times New Roman" panose="02020603050405020304" pitchFamily="18" charset="0"/>
+                <a:cs typeface="Times New Roman" panose="02020603050405020304" pitchFamily="18" charset="0"/>
+              </a:rPr>
+              <a:t>Num</a:t>
+            </a:r>
+            <a:r>
+              <a:rPr lang="en-GB" sz="1600" b="1" i="1" dirty="0">
+                <a:effectLst/>
+                <a:latin typeface="Helvetica" panose="020B0604020202020204" pitchFamily="34" charset="0"/>
+                <a:ea typeface="Times New Roman" panose="02020603050405020304" pitchFamily="18" charset="0"/>
+                <a:cs typeface="Times New Roman" panose="02020603050405020304" pitchFamily="18" charset="0"/>
+              </a:rPr>
+              <a:t> Solutions (Pty) Ltd. </a:t>
+            </a:r>
+            <a:endParaRPr lang="en-ZA" sz="1600" dirty="0">
+              <a:effectLst/>
+              <a:latin typeface="Helvetica" panose="020B0604020202020204" pitchFamily="34" charset="0"/>
+              <a:ea typeface="Times New Roman" panose="02020603050405020304" pitchFamily="18" charset="0"/>
+              <a:cs typeface="Times New Roman" panose="02020603050405020304" pitchFamily="18" charset="0"/>
+            </a:endParaRPr>
+          </a:p>
+          <a:p>
+            <a:pPr>
+              <a:lnSpc>
+                <a:spcPct val="107000"/>
+              </a:lnSpc>
+              <a:spcBef>
+                <a:spcPts val="1050"/>
+              </a:spcBef>
+              <a:spcAft>
+                <a:spcPts val="1050"/>
+              </a:spcAft>
+            </a:pPr>
             <a:endParaRPr kumimoji="0" lang="en-ZA" altLang="en-US" sz="1600" b="0" i="0" u="none" strike="noStrike" cap="none" normalizeH="0" baseline="0" dirty="0">
               <a:ln>
                 <a:noFill/>
@@ -6861,7 +6804,7 @@
               <a:buNone/>
             </a:pPr>
             <a:r>
-              <a:rPr lang="en-ZA" sz="2000" b="0" i="0" dirty="0">
+              <a:rPr lang="en-ZA" sz="1600" b="0" i="0" dirty="0">
                 <a:solidFill>
                   <a:srgbClr val="212121"/>
                 </a:solidFill>
@@ -6878,7 +6821,7 @@
               </a:lnSpc>
             </a:pPr>
             <a:r>
-              <a:rPr lang="en-ZA" sz="2000" b="0" i="0" dirty="0">
+              <a:rPr lang="en-ZA" sz="1600" b="0" i="0" dirty="0">
                 <a:solidFill>
                   <a:srgbClr val="212121"/>
                 </a:solidFill>
@@ -8107,7 +8050,7 @@
               <a:buNone/>
             </a:pPr>
             <a:r>
-              <a:rPr lang="en-ZA" sz="1800" dirty="0">
+              <a:rPr lang="en-ZA" sz="1600" dirty="0">
                 <a:effectLst/>
                 <a:latin typeface="Helvetica" panose="020B0604020202020204" pitchFamily="34" charset="0"/>
                 <a:ea typeface="Times New Roman" panose="02020603050405020304" pitchFamily="18" charset="0"/>
